--- a/T2. OOP/Magic methods/Demo.pptx
+++ b/T2. OOP/Magic methods/Demo.pptx
@@ -201,7 +201,7 @@
           <a:p>
             <a:fld id="{C6576F63-835E-46F5-AEB3-90A06FD74112}" type="datetimeFigureOut">
               <a:rPr lang="en-US" smtClean="0"/>
-              <a:t>07/28/18</a:t>
+              <a:t>10/25/2018</a:t>
             </a:fld>
             <a:endParaRPr lang="en-US"/>
           </a:p>
@@ -3987,8 +3987,8 @@
               <a:t>method __new__ is a method which actually creates the instance, then passes any arguments at creation on to the initializer (__</a:t>
             </a:r>
             <a:r>
-              <a:rPr lang="en-US" sz="2800" dirty="0" err="1"/>
-              <a:t>iniit</a:t>
+              <a:rPr lang="en-US" sz="2800" dirty="0" err="1" smtClean="0"/>
+              <a:t>init</a:t>
             </a:r>
             <a:r>
               <a:rPr lang="en-US" sz="2800" dirty="0"/>
